--- a/ppt 16-9/0288.这是耶和华所定.pptx
+++ b/ppt 16-9/0288.这是耶和华所定.pptx
@@ -5,7 +5,7 @@
     <p:sldMasterId id="2147483648" r:id="rId1"/>
   </p:sldMasterIdLst>
   <p:sldIdLst>
-    <p:sldId id="3157" r:id="rId2"/>
+    <p:sldId id="3159" r:id="rId2"/>
   </p:sldIdLst>
   <p:sldSz cx="12192000" cy="6858000"/>
   <p:notesSz cx="6858000" cy="9144000"/>
@@ -129,7 +129,7 @@
           <p:cNvPr id="2" name="标题 1">
             <a:extLst>
               <a:ext uri="{FF2B5EF4-FFF2-40B4-BE49-F238E27FC236}">
-                <a16:creationId xmlns:a16="http://schemas.microsoft.com/office/drawing/2014/main" id="{F0F624ED-FF7C-EDCF-9DC1-C036155EB4BA}"/>
+                <a16:creationId xmlns:a16="http://schemas.microsoft.com/office/drawing/2014/main" id="{339B9314-7F34-B2FA-A4D6-4FED3749124F}"/>
               </a:ext>
             </a:extLst>
           </p:cNvPr>
@@ -166,7 +166,7 @@
           <p:cNvPr id="3" name="副标题 2">
             <a:extLst>
               <a:ext uri="{FF2B5EF4-FFF2-40B4-BE49-F238E27FC236}">
-                <a16:creationId xmlns:a16="http://schemas.microsoft.com/office/drawing/2014/main" id="{23E3986A-BC92-3ECD-5920-6792A956E055}"/>
+                <a16:creationId xmlns:a16="http://schemas.microsoft.com/office/drawing/2014/main" id="{F0BEA01F-531D-573A-4412-556C5FFEC99C}"/>
               </a:ext>
             </a:extLst>
           </p:cNvPr>
@@ -236,7 +236,7 @@
           <p:cNvPr id="4" name="日期占位符 3">
             <a:extLst>
               <a:ext uri="{FF2B5EF4-FFF2-40B4-BE49-F238E27FC236}">
-                <a16:creationId xmlns:a16="http://schemas.microsoft.com/office/drawing/2014/main" id="{EB81540F-0874-E6E5-A22F-D593ED3EEF4B}"/>
+                <a16:creationId xmlns:a16="http://schemas.microsoft.com/office/drawing/2014/main" id="{6D4BC10D-C0CC-F674-B403-BC02C9121851}"/>
               </a:ext>
             </a:extLst>
           </p:cNvPr>
@@ -252,7 +252,7 @@
           <a:bodyPr/>
           <a:lstStyle/>
           <a:p>
-            <a:fld id="{8306E8BF-5B67-4FA5-A6F3-ED2635456607}" type="datetimeFigureOut">
+            <a:fld id="{451005D2-AE53-4CF9-8E86-B28AE1068730}" type="datetimeFigureOut">
               <a:rPr lang="zh-CN" altLang="en-US" smtClean="0"/>
               <a:t>2024/3/10</a:t>
             </a:fld>
@@ -265,7 +265,7 @@
           <p:cNvPr id="5" name="页脚占位符 4">
             <a:extLst>
               <a:ext uri="{FF2B5EF4-FFF2-40B4-BE49-F238E27FC236}">
-                <a16:creationId xmlns:a16="http://schemas.microsoft.com/office/drawing/2014/main" id="{C42966EB-1B54-21F6-0394-AC217A54839D}"/>
+                <a16:creationId xmlns:a16="http://schemas.microsoft.com/office/drawing/2014/main" id="{3A8D12E2-CB43-4A11-194E-B9E81A6C335C}"/>
               </a:ext>
             </a:extLst>
           </p:cNvPr>
@@ -290,7 +290,7 @@
           <p:cNvPr id="6" name="灯片编号占位符 5">
             <a:extLst>
               <a:ext uri="{FF2B5EF4-FFF2-40B4-BE49-F238E27FC236}">
-                <a16:creationId xmlns:a16="http://schemas.microsoft.com/office/drawing/2014/main" id="{1EF22CF9-2924-203D-F21C-4219C45BD1D4}"/>
+                <a16:creationId xmlns:a16="http://schemas.microsoft.com/office/drawing/2014/main" id="{8AA506EE-BC48-6C87-6E9A-CEE0740D20AB}"/>
               </a:ext>
             </a:extLst>
           </p:cNvPr>
@@ -306,7 +306,7 @@
           <a:bodyPr/>
           <a:lstStyle/>
           <a:p>
-            <a:fld id="{2F4A8D86-7070-4211-AC12-8097F3961BEC}" type="slidenum">
+            <a:fld id="{5D29D5EC-66C8-4115-945F-72C18870659E}" type="slidenum">
               <a:rPr lang="zh-CN" altLang="en-US" smtClean="0"/>
               <a:t>‹#›</a:t>
             </a:fld>
@@ -317,7 +317,7 @@
     </p:spTree>
     <p:extLst>
       <p:ext uri="{BB962C8B-B14F-4D97-AF65-F5344CB8AC3E}">
-        <p14:creationId xmlns:p14="http://schemas.microsoft.com/office/powerpoint/2010/main" val="2822294503"/>
+        <p14:creationId xmlns:p14="http://schemas.microsoft.com/office/powerpoint/2010/main" val="1705277108"/>
       </p:ext>
     </p:extLst>
   </p:cSld>
@@ -349,7 +349,7 @@
           <p:cNvPr id="2" name="标题 1">
             <a:extLst>
               <a:ext uri="{FF2B5EF4-FFF2-40B4-BE49-F238E27FC236}">
-                <a16:creationId xmlns:a16="http://schemas.microsoft.com/office/drawing/2014/main" id="{907FEE67-21FE-BF4F-82EB-AADF34189C5F}"/>
+                <a16:creationId xmlns:a16="http://schemas.microsoft.com/office/drawing/2014/main" id="{6FC275CE-A56E-C767-F186-E87A7B1AAC65}"/>
               </a:ext>
             </a:extLst>
           </p:cNvPr>
@@ -377,7 +377,7 @@
           <p:cNvPr id="3" name="竖排文字占位符 2">
             <a:extLst>
               <a:ext uri="{FF2B5EF4-FFF2-40B4-BE49-F238E27FC236}">
-                <a16:creationId xmlns:a16="http://schemas.microsoft.com/office/drawing/2014/main" id="{B5DE82BC-BA68-91A8-F6B4-F1B8D42045DE}"/>
+                <a16:creationId xmlns:a16="http://schemas.microsoft.com/office/drawing/2014/main" id="{D70C62E5-7EAC-3AB5-E7A4-BD40842CA329}"/>
               </a:ext>
             </a:extLst>
           </p:cNvPr>
@@ -434,7 +434,7 @@
           <p:cNvPr id="4" name="日期占位符 3">
             <a:extLst>
               <a:ext uri="{FF2B5EF4-FFF2-40B4-BE49-F238E27FC236}">
-                <a16:creationId xmlns:a16="http://schemas.microsoft.com/office/drawing/2014/main" id="{E392522D-DB3B-93ED-B0F8-81215E8972F2}"/>
+                <a16:creationId xmlns:a16="http://schemas.microsoft.com/office/drawing/2014/main" id="{16B83029-FEB9-E236-AECD-325205C1EE09}"/>
               </a:ext>
             </a:extLst>
           </p:cNvPr>
@@ -450,7 +450,7 @@
           <a:bodyPr/>
           <a:lstStyle/>
           <a:p>
-            <a:fld id="{8306E8BF-5B67-4FA5-A6F3-ED2635456607}" type="datetimeFigureOut">
+            <a:fld id="{451005D2-AE53-4CF9-8E86-B28AE1068730}" type="datetimeFigureOut">
               <a:rPr lang="zh-CN" altLang="en-US" smtClean="0"/>
               <a:t>2024/3/10</a:t>
             </a:fld>
@@ -463,7 +463,7 @@
           <p:cNvPr id="5" name="页脚占位符 4">
             <a:extLst>
               <a:ext uri="{FF2B5EF4-FFF2-40B4-BE49-F238E27FC236}">
-                <a16:creationId xmlns:a16="http://schemas.microsoft.com/office/drawing/2014/main" id="{7F061993-4657-4D86-FFE4-FF9835128961}"/>
+                <a16:creationId xmlns:a16="http://schemas.microsoft.com/office/drawing/2014/main" id="{14D658AE-0079-647A-ECFE-9AE4824FA212}"/>
               </a:ext>
             </a:extLst>
           </p:cNvPr>
@@ -488,7 +488,7 @@
           <p:cNvPr id="6" name="灯片编号占位符 5">
             <a:extLst>
               <a:ext uri="{FF2B5EF4-FFF2-40B4-BE49-F238E27FC236}">
-                <a16:creationId xmlns:a16="http://schemas.microsoft.com/office/drawing/2014/main" id="{E83CEE88-D108-217F-DB72-81C2DA1AC705}"/>
+                <a16:creationId xmlns:a16="http://schemas.microsoft.com/office/drawing/2014/main" id="{65B5E0BA-E72A-B9F7-770C-D5D44371867C}"/>
               </a:ext>
             </a:extLst>
           </p:cNvPr>
@@ -504,7 +504,7 @@
           <a:bodyPr/>
           <a:lstStyle/>
           <a:p>
-            <a:fld id="{2F4A8D86-7070-4211-AC12-8097F3961BEC}" type="slidenum">
+            <a:fld id="{5D29D5EC-66C8-4115-945F-72C18870659E}" type="slidenum">
               <a:rPr lang="zh-CN" altLang="en-US" smtClean="0"/>
               <a:t>‹#›</a:t>
             </a:fld>
@@ -515,7 +515,7 @@
     </p:spTree>
     <p:extLst>
       <p:ext uri="{BB962C8B-B14F-4D97-AF65-F5344CB8AC3E}">
-        <p14:creationId xmlns:p14="http://schemas.microsoft.com/office/powerpoint/2010/main" val="1227369088"/>
+        <p14:creationId xmlns:p14="http://schemas.microsoft.com/office/powerpoint/2010/main" val="3697705938"/>
       </p:ext>
     </p:extLst>
   </p:cSld>
@@ -547,7 +547,7 @@
           <p:cNvPr id="2" name="竖排标题 1">
             <a:extLst>
               <a:ext uri="{FF2B5EF4-FFF2-40B4-BE49-F238E27FC236}">
-                <a16:creationId xmlns:a16="http://schemas.microsoft.com/office/drawing/2014/main" id="{27083550-1A25-EF38-90D1-98CDF94BA416}"/>
+                <a16:creationId xmlns:a16="http://schemas.microsoft.com/office/drawing/2014/main" id="{55F2F8CE-E3B3-0C19-BBE5-27712AC09F77}"/>
               </a:ext>
             </a:extLst>
           </p:cNvPr>
@@ -580,7 +580,7 @@
           <p:cNvPr id="3" name="竖排文字占位符 2">
             <a:extLst>
               <a:ext uri="{FF2B5EF4-FFF2-40B4-BE49-F238E27FC236}">
-                <a16:creationId xmlns:a16="http://schemas.microsoft.com/office/drawing/2014/main" id="{04391235-C930-8171-6BAF-7D8CC4F6EA2F}"/>
+                <a16:creationId xmlns:a16="http://schemas.microsoft.com/office/drawing/2014/main" id="{6F0F215C-DDA7-0DBD-7A85-A58BCA5A9117}"/>
               </a:ext>
             </a:extLst>
           </p:cNvPr>
@@ -642,7 +642,7 @@
           <p:cNvPr id="4" name="日期占位符 3">
             <a:extLst>
               <a:ext uri="{FF2B5EF4-FFF2-40B4-BE49-F238E27FC236}">
-                <a16:creationId xmlns:a16="http://schemas.microsoft.com/office/drawing/2014/main" id="{5AD73A7B-5A5D-A7E9-6987-4D592D2DD537}"/>
+                <a16:creationId xmlns:a16="http://schemas.microsoft.com/office/drawing/2014/main" id="{8FAA0630-B222-7124-37A4-C7C2B2F4F044}"/>
               </a:ext>
             </a:extLst>
           </p:cNvPr>
@@ -658,7 +658,7 @@
           <a:bodyPr/>
           <a:lstStyle/>
           <a:p>
-            <a:fld id="{8306E8BF-5B67-4FA5-A6F3-ED2635456607}" type="datetimeFigureOut">
+            <a:fld id="{451005D2-AE53-4CF9-8E86-B28AE1068730}" type="datetimeFigureOut">
               <a:rPr lang="zh-CN" altLang="en-US" smtClean="0"/>
               <a:t>2024/3/10</a:t>
             </a:fld>
@@ -671,7 +671,7 @@
           <p:cNvPr id="5" name="页脚占位符 4">
             <a:extLst>
               <a:ext uri="{FF2B5EF4-FFF2-40B4-BE49-F238E27FC236}">
-                <a16:creationId xmlns:a16="http://schemas.microsoft.com/office/drawing/2014/main" id="{D00ADA50-72A0-631A-8B09-F7A7457E2781}"/>
+                <a16:creationId xmlns:a16="http://schemas.microsoft.com/office/drawing/2014/main" id="{68491A64-D371-0159-3827-DC9CD8453E3A}"/>
               </a:ext>
             </a:extLst>
           </p:cNvPr>
@@ -696,7 +696,7 @@
           <p:cNvPr id="6" name="灯片编号占位符 5">
             <a:extLst>
               <a:ext uri="{FF2B5EF4-FFF2-40B4-BE49-F238E27FC236}">
-                <a16:creationId xmlns:a16="http://schemas.microsoft.com/office/drawing/2014/main" id="{B8063F26-B9FD-F958-4157-CC200CE0D10F}"/>
+                <a16:creationId xmlns:a16="http://schemas.microsoft.com/office/drawing/2014/main" id="{C4735EE7-880D-6F09-8654-8AE1D81037C7}"/>
               </a:ext>
             </a:extLst>
           </p:cNvPr>
@@ -712,7 +712,7 @@
           <a:bodyPr/>
           <a:lstStyle/>
           <a:p>
-            <a:fld id="{2F4A8D86-7070-4211-AC12-8097F3961BEC}" type="slidenum">
+            <a:fld id="{5D29D5EC-66C8-4115-945F-72C18870659E}" type="slidenum">
               <a:rPr lang="zh-CN" altLang="en-US" smtClean="0"/>
               <a:t>‹#›</a:t>
             </a:fld>
@@ -723,7 +723,7 @@
     </p:spTree>
     <p:extLst>
       <p:ext uri="{BB962C8B-B14F-4D97-AF65-F5344CB8AC3E}">
-        <p14:creationId xmlns:p14="http://schemas.microsoft.com/office/powerpoint/2010/main" val="3769400843"/>
+        <p14:creationId xmlns:p14="http://schemas.microsoft.com/office/powerpoint/2010/main" val="3817060265"/>
       </p:ext>
     </p:extLst>
   </p:cSld>
@@ -755,7 +755,7 @@
           <p:cNvPr id="2" name="标题 1">
             <a:extLst>
               <a:ext uri="{FF2B5EF4-FFF2-40B4-BE49-F238E27FC236}">
-                <a16:creationId xmlns:a16="http://schemas.microsoft.com/office/drawing/2014/main" id="{498DC92F-430C-3466-1B21-7CD658B294D0}"/>
+                <a16:creationId xmlns:a16="http://schemas.microsoft.com/office/drawing/2014/main" id="{6027B127-7BF1-2EAE-519C-570BE1CAD494}"/>
               </a:ext>
             </a:extLst>
           </p:cNvPr>
@@ -783,7 +783,7 @@
           <p:cNvPr id="3" name="内容占位符 2">
             <a:extLst>
               <a:ext uri="{FF2B5EF4-FFF2-40B4-BE49-F238E27FC236}">
-                <a16:creationId xmlns:a16="http://schemas.microsoft.com/office/drawing/2014/main" id="{438BD3CD-01A3-3D2D-26D8-145B3ED7C595}"/>
+                <a16:creationId xmlns:a16="http://schemas.microsoft.com/office/drawing/2014/main" id="{483A280E-0A87-CCCE-A29E-D05AF665AC10}"/>
               </a:ext>
             </a:extLst>
           </p:cNvPr>
@@ -840,7 +840,7 @@
           <p:cNvPr id="4" name="日期占位符 3">
             <a:extLst>
               <a:ext uri="{FF2B5EF4-FFF2-40B4-BE49-F238E27FC236}">
-                <a16:creationId xmlns:a16="http://schemas.microsoft.com/office/drawing/2014/main" id="{F112C963-E518-5EF9-5DFA-4AECA3D98107}"/>
+                <a16:creationId xmlns:a16="http://schemas.microsoft.com/office/drawing/2014/main" id="{524E1E3B-D00F-CF7F-B8AE-749C5B2EA682}"/>
               </a:ext>
             </a:extLst>
           </p:cNvPr>
@@ -856,7 +856,7 @@
           <a:bodyPr/>
           <a:lstStyle/>
           <a:p>
-            <a:fld id="{8306E8BF-5B67-4FA5-A6F3-ED2635456607}" type="datetimeFigureOut">
+            <a:fld id="{451005D2-AE53-4CF9-8E86-B28AE1068730}" type="datetimeFigureOut">
               <a:rPr lang="zh-CN" altLang="en-US" smtClean="0"/>
               <a:t>2024/3/10</a:t>
             </a:fld>
@@ -869,7 +869,7 @@
           <p:cNvPr id="5" name="页脚占位符 4">
             <a:extLst>
               <a:ext uri="{FF2B5EF4-FFF2-40B4-BE49-F238E27FC236}">
-                <a16:creationId xmlns:a16="http://schemas.microsoft.com/office/drawing/2014/main" id="{AC9195BC-0B28-32F6-D25D-5F44183B6109}"/>
+                <a16:creationId xmlns:a16="http://schemas.microsoft.com/office/drawing/2014/main" id="{A265029E-161C-BA29-897A-C0DC1746EBD3}"/>
               </a:ext>
             </a:extLst>
           </p:cNvPr>
@@ -894,7 +894,7 @@
           <p:cNvPr id="6" name="灯片编号占位符 5">
             <a:extLst>
               <a:ext uri="{FF2B5EF4-FFF2-40B4-BE49-F238E27FC236}">
-                <a16:creationId xmlns:a16="http://schemas.microsoft.com/office/drawing/2014/main" id="{FAEC483B-79B6-0CAE-C1BF-79D9BF80E6AE}"/>
+                <a16:creationId xmlns:a16="http://schemas.microsoft.com/office/drawing/2014/main" id="{3AA2EFE1-7512-8B7A-338B-6E4036FF75B7}"/>
               </a:ext>
             </a:extLst>
           </p:cNvPr>
@@ -910,7 +910,7 @@
           <a:bodyPr/>
           <a:lstStyle/>
           <a:p>
-            <a:fld id="{2F4A8D86-7070-4211-AC12-8097F3961BEC}" type="slidenum">
+            <a:fld id="{5D29D5EC-66C8-4115-945F-72C18870659E}" type="slidenum">
               <a:rPr lang="zh-CN" altLang="en-US" smtClean="0"/>
               <a:t>‹#›</a:t>
             </a:fld>
@@ -921,7 +921,7 @@
     </p:spTree>
     <p:extLst>
       <p:ext uri="{BB962C8B-B14F-4D97-AF65-F5344CB8AC3E}">
-        <p14:creationId xmlns:p14="http://schemas.microsoft.com/office/powerpoint/2010/main" val="1403580701"/>
+        <p14:creationId xmlns:p14="http://schemas.microsoft.com/office/powerpoint/2010/main" val="3433286745"/>
       </p:ext>
     </p:extLst>
   </p:cSld>
@@ -953,7 +953,7 @@
           <p:cNvPr id="2" name="标题 1">
             <a:extLst>
               <a:ext uri="{FF2B5EF4-FFF2-40B4-BE49-F238E27FC236}">
-                <a16:creationId xmlns:a16="http://schemas.microsoft.com/office/drawing/2014/main" id="{ECC9A5C9-C940-B4B1-5603-52F6D797F242}"/>
+                <a16:creationId xmlns:a16="http://schemas.microsoft.com/office/drawing/2014/main" id="{ABFF288B-B2C0-1A74-FE08-F43D0F20B810}"/>
               </a:ext>
             </a:extLst>
           </p:cNvPr>
@@ -990,7 +990,7 @@
           <p:cNvPr id="3" name="文本占位符 2">
             <a:extLst>
               <a:ext uri="{FF2B5EF4-FFF2-40B4-BE49-F238E27FC236}">
-                <a16:creationId xmlns:a16="http://schemas.microsoft.com/office/drawing/2014/main" id="{66E63B20-D33F-ACA5-6FAC-136810C7A80E}"/>
+                <a16:creationId xmlns:a16="http://schemas.microsoft.com/office/drawing/2014/main" id="{773CE06A-3438-3EE1-1E1B-A0E7B860F638}"/>
               </a:ext>
             </a:extLst>
           </p:cNvPr>
@@ -1115,7 +1115,7 @@
           <p:cNvPr id="4" name="日期占位符 3">
             <a:extLst>
               <a:ext uri="{FF2B5EF4-FFF2-40B4-BE49-F238E27FC236}">
-                <a16:creationId xmlns:a16="http://schemas.microsoft.com/office/drawing/2014/main" id="{100E3977-54FB-8ACE-B37C-69059D0C3FD5}"/>
+                <a16:creationId xmlns:a16="http://schemas.microsoft.com/office/drawing/2014/main" id="{64AF2B93-E51D-E00F-1CFE-D7AAF2340EA4}"/>
               </a:ext>
             </a:extLst>
           </p:cNvPr>
@@ -1131,7 +1131,7 @@
           <a:bodyPr/>
           <a:lstStyle/>
           <a:p>
-            <a:fld id="{8306E8BF-5B67-4FA5-A6F3-ED2635456607}" type="datetimeFigureOut">
+            <a:fld id="{451005D2-AE53-4CF9-8E86-B28AE1068730}" type="datetimeFigureOut">
               <a:rPr lang="zh-CN" altLang="en-US" smtClean="0"/>
               <a:t>2024/3/10</a:t>
             </a:fld>
@@ -1144,7 +1144,7 @@
           <p:cNvPr id="5" name="页脚占位符 4">
             <a:extLst>
               <a:ext uri="{FF2B5EF4-FFF2-40B4-BE49-F238E27FC236}">
-                <a16:creationId xmlns:a16="http://schemas.microsoft.com/office/drawing/2014/main" id="{495F821A-33EA-5D72-DA1D-92760875F22C}"/>
+                <a16:creationId xmlns:a16="http://schemas.microsoft.com/office/drawing/2014/main" id="{0526BB4C-B1A3-A152-A153-2D414C835626}"/>
               </a:ext>
             </a:extLst>
           </p:cNvPr>
@@ -1169,7 +1169,7 @@
           <p:cNvPr id="6" name="灯片编号占位符 5">
             <a:extLst>
               <a:ext uri="{FF2B5EF4-FFF2-40B4-BE49-F238E27FC236}">
-                <a16:creationId xmlns:a16="http://schemas.microsoft.com/office/drawing/2014/main" id="{4A67AB73-C2C8-F00C-45AD-6A18B1C0A19F}"/>
+                <a16:creationId xmlns:a16="http://schemas.microsoft.com/office/drawing/2014/main" id="{528C2CB2-D4EA-8CBC-ADAE-759240B8F7CB}"/>
               </a:ext>
             </a:extLst>
           </p:cNvPr>
@@ -1185,7 +1185,7 @@
           <a:bodyPr/>
           <a:lstStyle/>
           <a:p>
-            <a:fld id="{2F4A8D86-7070-4211-AC12-8097F3961BEC}" type="slidenum">
+            <a:fld id="{5D29D5EC-66C8-4115-945F-72C18870659E}" type="slidenum">
               <a:rPr lang="zh-CN" altLang="en-US" smtClean="0"/>
               <a:t>‹#›</a:t>
             </a:fld>
@@ -1196,7 +1196,7 @@
     </p:spTree>
     <p:extLst>
       <p:ext uri="{BB962C8B-B14F-4D97-AF65-F5344CB8AC3E}">
-        <p14:creationId xmlns:p14="http://schemas.microsoft.com/office/powerpoint/2010/main" val="2593941527"/>
+        <p14:creationId xmlns:p14="http://schemas.microsoft.com/office/powerpoint/2010/main" val="2921740142"/>
       </p:ext>
     </p:extLst>
   </p:cSld>
@@ -1228,7 +1228,7 @@
           <p:cNvPr id="2" name="标题 1">
             <a:extLst>
               <a:ext uri="{FF2B5EF4-FFF2-40B4-BE49-F238E27FC236}">
-                <a16:creationId xmlns:a16="http://schemas.microsoft.com/office/drawing/2014/main" id="{A300A017-4956-CAA7-D86F-2B40F564FD84}"/>
+                <a16:creationId xmlns:a16="http://schemas.microsoft.com/office/drawing/2014/main" id="{362DD246-12CA-1CE0-B428-76048952FAED}"/>
               </a:ext>
             </a:extLst>
           </p:cNvPr>
@@ -1256,7 +1256,7 @@
           <p:cNvPr id="3" name="内容占位符 2">
             <a:extLst>
               <a:ext uri="{FF2B5EF4-FFF2-40B4-BE49-F238E27FC236}">
-                <a16:creationId xmlns:a16="http://schemas.microsoft.com/office/drawing/2014/main" id="{0CAEC7C4-69EA-47A9-3660-1E302B8C3B84}"/>
+                <a16:creationId xmlns:a16="http://schemas.microsoft.com/office/drawing/2014/main" id="{50735A5E-0D5D-D1C7-7A8A-12232BF09BB7}"/>
               </a:ext>
             </a:extLst>
           </p:cNvPr>
@@ -1318,7 +1318,7 @@
           <p:cNvPr id="4" name="内容占位符 3">
             <a:extLst>
               <a:ext uri="{FF2B5EF4-FFF2-40B4-BE49-F238E27FC236}">
-                <a16:creationId xmlns:a16="http://schemas.microsoft.com/office/drawing/2014/main" id="{00D5C47D-5E2E-DC1C-7C78-21596C5BB00F}"/>
+                <a16:creationId xmlns:a16="http://schemas.microsoft.com/office/drawing/2014/main" id="{F1514D09-22AD-1272-07D7-AD7F0A9117EE}"/>
               </a:ext>
             </a:extLst>
           </p:cNvPr>
@@ -1380,7 +1380,7 @@
           <p:cNvPr id="5" name="日期占位符 4">
             <a:extLst>
               <a:ext uri="{FF2B5EF4-FFF2-40B4-BE49-F238E27FC236}">
-                <a16:creationId xmlns:a16="http://schemas.microsoft.com/office/drawing/2014/main" id="{3C883CD4-B0DD-A732-CEFF-9B3FDDFF86EF}"/>
+                <a16:creationId xmlns:a16="http://schemas.microsoft.com/office/drawing/2014/main" id="{4CD97216-D305-EA94-945F-26510E032916}"/>
               </a:ext>
             </a:extLst>
           </p:cNvPr>
@@ -1396,7 +1396,7 @@
           <a:bodyPr/>
           <a:lstStyle/>
           <a:p>
-            <a:fld id="{8306E8BF-5B67-4FA5-A6F3-ED2635456607}" type="datetimeFigureOut">
+            <a:fld id="{451005D2-AE53-4CF9-8E86-B28AE1068730}" type="datetimeFigureOut">
               <a:rPr lang="zh-CN" altLang="en-US" smtClean="0"/>
               <a:t>2024/3/10</a:t>
             </a:fld>
@@ -1409,7 +1409,7 @@
           <p:cNvPr id="6" name="页脚占位符 5">
             <a:extLst>
               <a:ext uri="{FF2B5EF4-FFF2-40B4-BE49-F238E27FC236}">
-                <a16:creationId xmlns:a16="http://schemas.microsoft.com/office/drawing/2014/main" id="{8AD9C1B1-4077-D8D3-CF91-8BC91BF7F3D8}"/>
+                <a16:creationId xmlns:a16="http://schemas.microsoft.com/office/drawing/2014/main" id="{6251ACD7-9D8F-B71D-ACF2-CB46BB259DA5}"/>
               </a:ext>
             </a:extLst>
           </p:cNvPr>
@@ -1434,7 +1434,7 @@
           <p:cNvPr id="7" name="灯片编号占位符 6">
             <a:extLst>
               <a:ext uri="{FF2B5EF4-FFF2-40B4-BE49-F238E27FC236}">
-                <a16:creationId xmlns:a16="http://schemas.microsoft.com/office/drawing/2014/main" id="{A46E8FB9-AC0C-791C-492F-0DE4F4931E89}"/>
+                <a16:creationId xmlns:a16="http://schemas.microsoft.com/office/drawing/2014/main" id="{20DF2278-390C-9EFB-41AC-2BB7406811C0}"/>
               </a:ext>
             </a:extLst>
           </p:cNvPr>
@@ -1450,7 +1450,7 @@
           <a:bodyPr/>
           <a:lstStyle/>
           <a:p>
-            <a:fld id="{2F4A8D86-7070-4211-AC12-8097F3961BEC}" type="slidenum">
+            <a:fld id="{5D29D5EC-66C8-4115-945F-72C18870659E}" type="slidenum">
               <a:rPr lang="zh-CN" altLang="en-US" smtClean="0"/>
               <a:t>‹#›</a:t>
             </a:fld>
@@ -1461,7 +1461,7 @@
     </p:spTree>
     <p:extLst>
       <p:ext uri="{BB962C8B-B14F-4D97-AF65-F5344CB8AC3E}">
-        <p14:creationId xmlns:p14="http://schemas.microsoft.com/office/powerpoint/2010/main" val="1901105314"/>
+        <p14:creationId xmlns:p14="http://schemas.microsoft.com/office/powerpoint/2010/main" val="2469549104"/>
       </p:ext>
     </p:extLst>
   </p:cSld>
@@ -1493,7 +1493,7 @@
           <p:cNvPr id="2" name="标题 1">
             <a:extLst>
               <a:ext uri="{FF2B5EF4-FFF2-40B4-BE49-F238E27FC236}">
-                <a16:creationId xmlns:a16="http://schemas.microsoft.com/office/drawing/2014/main" id="{AD9CC046-E19B-AD5C-DFCB-51822B7D13FD}"/>
+                <a16:creationId xmlns:a16="http://schemas.microsoft.com/office/drawing/2014/main" id="{145395D8-D55D-2560-0202-DB48F7361E22}"/>
               </a:ext>
             </a:extLst>
           </p:cNvPr>
@@ -1526,7 +1526,7 @@
           <p:cNvPr id="3" name="文本占位符 2">
             <a:extLst>
               <a:ext uri="{FF2B5EF4-FFF2-40B4-BE49-F238E27FC236}">
-                <a16:creationId xmlns:a16="http://schemas.microsoft.com/office/drawing/2014/main" id="{FCD01D90-E328-9A21-41EF-14D83FE401D7}"/>
+                <a16:creationId xmlns:a16="http://schemas.microsoft.com/office/drawing/2014/main" id="{B04BC88D-84D9-745F-EB73-94F896C1F184}"/>
               </a:ext>
             </a:extLst>
           </p:cNvPr>
@@ -1597,7 +1597,7 @@
           <p:cNvPr id="4" name="内容占位符 3">
             <a:extLst>
               <a:ext uri="{FF2B5EF4-FFF2-40B4-BE49-F238E27FC236}">
-                <a16:creationId xmlns:a16="http://schemas.microsoft.com/office/drawing/2014/main" id="{7DB22A40-2DBF-6F47-EE76-53E1D9D0918B}"/>
+                <a16:creationId xmlns:a16="http://schemas.microsoft.com/office/drawing/2014/main" id="{B43705E8-C868-DA59-FAFC-AB048E6AE157}"/>
               </a:ext>
             </a:extLst>
           </p:cNvPr>
@@ -1659,7 +1659,7 @@
           <p:cNvPr id="5" name="文本占位符 4">
             <a:extLst>
               <a:ext uri="{FF2B5EF4-FFF2-40B4-BE49-F238E27FC236}">
-                <a16:creationId xmlns:a16="http://schemas.microsoft.com/office/drawing/2014/main" id="{41A30C48-B0D3-5095-2CB1-3AEB8B828E3C}"/>
+                <a16:creationId xmlns:a16="http://schemas.microsoft.com/office/drawing/2014/main" id="{017AC827-BD82-6F7E-0E04-70EA263FE2FD}"/>
               </a:ext>
             </a:extLst>
           </p:cNvPr>
@@ -1730,7 +1730,7 @@
           <p:cNvPr id="6" name="内容占位符 5">
             <a:extLst>
               <a:ext uri="{FF2B5EF4-FFF2-40B4-BE49-F238E27FC236}">
-                <a16:creationId xmlns:a16="http://schemas.microsoft.com/office/drawing/2014/main" id="{019A84CA-4929-37F2-A659-31366D8FDCEC}"/>
+                <a16:creationId xmlns:a16="http://schemas.microsoft.com/office/drawing/2014/main" id="{CEB07D76-A531-B783-46A0-EEEAE84EC07D}"/>
               </a:ext>
             </a:extLst>
           </p:cNvPr>
@@ -1792,7 +1792,7 @@
           <p:cNvPr id="7" name="日期占位符 6">
             <a:extLst>
               <a:ext uri="{FF2B5EF4-FFF2-40B4-BE49-F238E27FC236}">
-                <a16:creationId xmlns:a16="http://schemas.microsoft.com/office/drawing/2014/main" id="{5DB61119-0D34-6397-FBA8-A133435386E8}"/>
+                <a16:creationId xmlns:a16="http://schemas.microsoft.com/office/drawing/2014/main" id="{4AD7F189-08E0-0AC5-E7C8-9DC360B53E44}"/>
               </a:ext>
             </a:extLst>
           </p:cNvPr>
@@ -1808,7 +1808,7 @@
           <a:bodyPr/>
           <a:lstStyle/>
           <a:p>
-            <a:fld id="{8306E8BF-5B67-4FA5-A6F3-ED2635456607}" type="datetimeFigureOut">
+            <a:fld id="{451005D2-AE53-4CF9-8E86-B28AE1068730}" type="datetimeFigureOut">
               <a:rPr lang="zh-CN" altLang="en-US" smtClean="0"/>
               <a:t>2024/3/10</a:t>
             </a:fld>
@@ -1821,7 +1821,7 @@
           <p:cNvPr id="8" name="页脚占位符 7">
             <a:extLst>
               <a:ext uri="{FF2B5EF4-FFF2-40B4-BE49-F238E27FC236}">
-                <a16:creationId xmlns:a16="http://schemas.microsoft.com/office/drawing/2014/main" id="{50F28401-A418-BF9B-741D-4D81AA448362}"/>
+                <a16:creationId xmlns:a16="http://schemas.microsoft.com/office/drawing/2014/main" id="{3D4C42AC-9E37-DFC9-9D2D-9C3E6D0E4E38}"/>
               </a:ext>
             </a:extLst>
           </p:cNvPr>
@@ -1846,7 +1846,7 @@
           <p:cNvPr id="9" name="灯片编号占位符 8">
             <a:extLst>
               <a:ext uri="{FF2B5EF4-FFF2-40B4-BE49-F238E27FC236}">
-                <a16:creationId xmlns:a16="http://schemas.microsoft.com/office/drawing/2014/main" id="{3A25A1DD-268A-1087-593E-AE0613C3E2CD}"/>
+                <a16:creationId xmlns:a16="http://schemas.microsoft.com/office/drawing/2014/main" id="{4FF25B28-40E7-C9AC-3BC7-D7DAC3941A35}"/>
               </a:ext>
             </a:extLst>
           </p:cNvPr>
@@ -1862,7 +1862,7 @@
           <a:bodyPr/>
           <a:lstStyle/>
           <a:p>
-            <a:fld id="{2F4A8D86-7070-4211-AC12-8097F3961BEC}" type="slidenum">
+            <a:fld id="{5D29D5EC-66C8-4115-945F-72C18870659E}" type="slidenum">
               <a:rPr lang="zh-CN" altLang="en-US" smtClean="0"/>
               <a:t>‹#›</a:t>
             </a:fld>
@@ -1873,7 +1873,7 @@
     </p:spTree>
     <p:extLst>
       <p:ext uri="{BB962C8B-B14F-4D97-AF65-F5344CB8AC3E}">
-        <p14:creationId xmlns:p14="http://schemas.microsoft.com/office/powerpoint/2010/main" val="1767395702"/>
+        <p14:creationId xmlns:p14="http://schemas.microsoft.com/office/powerpoint/2010/main" val="2787539938"/>
       </p:ext>
     </p:extLst>
   </p:cSld>
@@ -1905,7 +1905,7 @@
           <p:cNvPr id="2" name="标题 1">
             <a:extLst>
               <a:ext uri="{FF2B5EF4-FFF2-40B4-BE49-F238E27FC236}">
-                <a16:creationId xmlns:a16="http://schemas.microsoft.com/office/drawing/2014/main" id="{B9B09133-E7AB-F93D-1F95-4FDE5C68BA9B}"/>
+                <a16:creationId xmlns:a16="http://schemas.microsoft.com/office/drawing/2014/main" id="{10087639-A32A-1AFA-750E-020CEBA1A30D}"/>
               </a:ext>
             </a:extLst>
           </p:cNvPr>
@@ -1933,7 +1933,7 @@
           <p:cNvPr id="3" name="日期占位符 2">
             <a:extLst>
               <a:ext uri="{FF2B5EF4-FFF2-40B4-BE49-F238E27FC236}">
-                <a16:creationId xmlns:a16="http://schemas.microsoft.com/office/drawing/2014/main" id="{45490FDE-7D66-E320-7539-A1E57D86622E}"/>
+                <a16:creationId xmlns:a16="http://schemas.microsoft.com/office/drawing/2014/main" id="{16E643B5-4078-5C9C-CA97-84398566D82F}"/>
               </a:ext>
             </a:extLst>
           </p:cNvPr>
@@ -1949,7 +1949,7 @@
           <a:bodyPr/>
           <a:lstStyle/>
           <a:p>
-            <a:fld id="{8306E8BF-5B67-4FA5-A6F3-ED2635456607}" type="datetimeFigureOut">
+            <a:fld id="{451005D2-AE53-4CF9-8E86-B28AE1068730}" type="datetimeFigureOut">
               <a:rPr lang="zh-CN" altLang="en-US" smtClean="0"/>
               <a:t>2024/3/10</a:t>
             </a:fld>
@@ -1962,7 +1962,7 @@
           <p:cNvPr id="4" name="页脚占位符 3">
             <a:extLst>
               <a:ext uri="{FF2B5EF4-FFF2-40B4-BE49-F238E27FC236}">
-                <a16:creationId xmlns:a16="http://schemas.microsoft.com/office/drawing/2014/main" id="{4FEAB84D-3BC6-DA73-E1BA-445BCDF3AD7A}"/>
+                <a16:creationId xmlns:a16="http://schemas.microsoft.com/office/drawing/2014/main" id="{8A9FC56A-51D9-5F95-E1AA-D48613CAC445}"/>
               </a:ext>
             </a:extLst>
           </p:cNvPr>
@@ -1987,7 +1987,7 @@
           <p:cNvPr id="5" name="灯片编号占位符 4">
             <a:extLst>
               <a:ext uri="{FF2B5EF4-FFF2-40B4-BE49-F238E27FC236}">
-                <a16:creationId xmlns:a16="http://schemas.microsoft.com/office/drawing/2014/main" id="{90E1DC44-5873-6969-1BB3-D6F060AA48A6}"/>
+                <a16:creationId xmlns:a16="http://schemas.microsoft.com/office/drawing/2014/main" id="{68F563A7-CCD5-209F-B215-23845B3BBBF9}"/>
               </a:ext>
             </a:extLst>
           </p:cNvPr>
@@ -2003,7 +2003,7 @@
           <a:bodyPr/>
           <a:lstStyle/>
           <a:p>
-            <a:fld id="{2F4A8D86-7070-4211-AC12-8097F3961BEC}" type="slidenum">
+            <a:fld id="{5D29D5EC-66C8-4115-945F-72C18870659E}" type="slidenum">
               <a:rPr lang="zh-CN" altLang="en-US" smtClean="0"/>
               <a:t>‹#›</a:t>
             </a:fld>
@@ -2014,7 +2014,7 @@
     </p:spTree>
     <p:extLst>
       <p:ext uri="{BB962C8B-B14F-4D97-AF65-F5344CB8AC3E}">
-        <p14:creationId xmlns:p14="http://schemas.microsoft.com/office/powerpoint/2010/main" val="1093274707"/>
+        <p14:creationId xmlns:p14="http://schemas.microsoft.com/office/powerpoint/2010/main" val="3042578908"/>
       </p:ext>
     </p:extLst>
   </p:cSld>
@@ -2046,7 +2046,7 @@
           <p:cNvPr id="2" name="日期占位符 1">
             <a:extLst>
               <a:ext uri="{FF2B5EF4-FFF2-40B4-BE49-F238E27FC236}">
-                <a16:creationId xmlns:a16="http://schemas.microsoft.com/office/drawing/2014/main" id="{1980DA78-F67F-11C9-AE6A-CAD7E27E2004}"/>
+                <a16:creationId xmlns:a16="http://schemas.microsoft.com/office/drawing/2014/main" id="{6ABB6686-CE6A-F6A5-B84F-E42DE73E61C8}"/>
               </a:ext>
             </a:extLst>
           </p:cNvPr>
@@ -2062,7 +2062,7 @@
           <a:bodyPr/>
           <a:lstStyle/>
           <a:p>
-            <a:fld id="{8306E8BF-5B67-4FA5-A6F3-ED2635456607}" type="datetimeFigureOut">
+            <a:fld id="{451005D2-AE53-4CF9-8E86-B28AE1068730}" type="datetimeFigureOut">
               <a:rPr lang="zh-CN" altLang="en-US" smtClean="0"/>
               <a:t>2024/3/10</a:t>
             </a:fld>
@@ -2075,7 +2075,7 @@
           <p:cNvPr id="3" name="页脚占位符 2">
             <a:extLst>
               <a:ext uri="{FF2B5EF4-FFF2-40B4-BE49-F238E27FC236}">
-                <a16:creationId xmlns:a16="http://schemas.microsoft.com/office/drawing/2014/main" id="{4A3E6DCC-285A-6E2F-CFCB-3CCD189A634D}"/>
+                <a16:creationId xmlns:a16="http://schemas.microsoft.com/office/drawing/2014/main" id="{C7016549-169E-5A6D-0E59-257FA15B18C2}"/>
               </a:ext>
             </a:extLst>
           </p:cNvPr>
@@ -2100,7 +2100,7 @@
           <p:cNvPr id="4" name="灯片编号占位符 3">
             <a:extLst>
               <a:ext uri="{FF2B5EF4-FFF2-40B4-BE49-F238E27FC236}">
-                <a16:creationId xmlns:a16="http://schemas.microsoft.com/office/drawing/2014/main" id="{6F1EBFF6-29FB-ADDA-3AA7-173C4E07CD8B}"/>
+                <a16:creationId xmlns:a16="http://schemas.microsoft.com/office/drawing/2014/main" id="{10F7E484-7DE3-59D2-665D-716F4DF012B6}"/>
               </a:ext>
             </a:extLst>
           </p:cNvPr>
@@ -2116,7 +2116,7 @@
           <a:bodyPr/>
           <a:lstStyle/>
           <a:p>
-            <a:fld id="{2F4A8D86-7070-4211-AC12-8097F3961BEC}" type="slidenum">
+            <a:fld id="{5D29D5EC-66C8-4115-945F-72C18870659E}" type="slidenum">
               <a:rPr lang="zh-CN" altLang="en-US" smtClean="0"/>
               <a:t>‹#›</a:t>
             </a:fld>
@@ -2127,7 +2127,7 @@
     </p:spTree>
     <p:extLst>
       <p:ext uri="{BB962C8B-B14F-4D97-AF65-F5344CB8AC3E}">
-        <p14:creationId xmlns:p14="http://schemas.microsoft.com/office/powerpoint/2010/main" val="89586768"/>
+        <p14:creationId xmlns:p14="http://schemas.microsoft.com/office/powerpoint/2010/main" val="2748864629"/>
       </p:ext>
     </p:extLst>
   </p:cSld>
@@ -2159,7 +2159,7 @@
           <p:cNvPr id="2" name="标题 1">
             <a:extLst>
               <a:ext uri="{FF2B5EF4-FFF2-40B4-BE49-F238E27FC236}">
-                <a16:creationId xmlns:a16="http://schemas.microsoft.com/office/drawing/2014/main" id="{8C19D39B-DD2E-7E1F-DC9E-13BFA73E3E0D}"/>
+                <a16:creationId xmlns:a16="http://schemas.microsoft.com/office/drawing/2014/main" id="{FA8BE537-B2EE-6755-1B4D-EC11AD91D10D}"/>
               </a:ext>
             </a:extLst>
           </p:cNvPr>
@@ -2196,7 +2196,7 @@
           <p:cNvPr id="3" name="内容占位符 2">
             <a:extLst>
               <a:ext uri="{FF2B5EF4-FFF2-40B4-BE49-F238E27FC236}">
-                <a16:creationId xmlns:a16="http://schemas.microsoft.com/office/drawing/2014/main" id="{6E10DC67-E4B5-7E3B-4887-7B99F069C2FC}"/>
+                <a16:creationId xmlns:a16="http://schemas.microsoft.com/office/drawing/2014/main" id="{55627328-2670-EA3B-CF0E-8C7031BBE405}"/>
               </a:ext>
             </a:extLst>
           </p:cNvPr>
@@ -2286,7 +2286,7 @@
           <p:cNvPr id="4" name="文本占位符 3">
             <a:extLst>
               <a:ext uri="{FF2B5EF4-FFF2-40B4-BE49-F238E27FC236}">
-                <a16:creationId xmlns:a16="http://schemas.microsoft.com/office/drawing/2014/main" id="{9B123873-F900-1B74-93F4-C7DF757BB10F}"/>
+                <a16:creationId xmlns:a16="http://schemas.microsoft.com/office/drawing/2014/main" id="{414DA8B1-A398-79C8-46CD-27BC3A768601}"/>
               </a:ext>
             </a:extLst>
           </p:cNvPr>
@@ -2357,7 +2357,7 @@
           <p:cNvPr id="5" name="日期占位符 4">
             <a:extLst>
               <a:ext uri="{FF2B5EF4-FFF2-40B4-BE49-F238E27FC236}">
-                <a16:creationId xmlns:a16="http://schemas.microsoft.com/office/drawing/2014/main" id="{A10A4459-FE0F-B0EA-F7B7-2230286672E1}"/>
+                <a16:creationId xmlns:a16="http://schemas.microsoft.com/office/drawing/2014/main" id="{50BEA93E-1187-47F5-BBBD-8FD890AC618C}"/>
               </a:ext>
             </a:extLst>
           </p:cNvPr>
@@ -2373,7 +2373,7 @@
           <a:bodyPr/>
           <a:lstStyle/>
           <a:p>
-            <a:fld id="{8306E8BF-5B67-4FA5-A6F3-ED2635456607}" type="datetimeFigureOut">
+            <a:fld id="{451005D2-AE53-4CF9-8E86-B28AE1068730}" type="datetimeFigureOut">
               <a:rPr lang="zh-CN" altLang="en-US" smtClean="0"/>
               <a:t>2024/3/10</a:t>
             </a:fld>
@@ -2386,7 +2386,7 @@
           <p:cNvPr id="6" name="页脚占位符 5">
             <a:extLst>
               <a:ext uri="{FF2B5EF4-FFF2-40B4-BE49-F238E27FC236}">
-                <a16:creationId xmlns:a16="http://schemas.microsoft.com/office/drawing/2014/main" id="{595907D4-593F-B267-8E26-BAA5FAE91121}"/>
+                <a16:creationId xmlns:a16="http://schemas.microsoft.com/office/drawing/2014/main" id="{349EDC79-289C-761B-2968-FEE26A354463}"/>
               </a:ext>
             </a:extLst>
           </p:cNvPr>
@@ -2411,7 +2411,7 @@
           <p:cNvPr id="7" name="灯片编号占位符 6">
             <a:extLst>
               <a:ext uri="{FF2B5EF4-FFF2-40B4-BE49-F238E27FC236}">
-                <a16:creationId xmlns:a16="http://schemas.microsoft.com/office/drawing/2014/main" id="{198C52DB-C7B7-AE6F-9E65-F10D8467422F}"/>
+                <a16:creationId xmlns:a16="http://schemas.microsoft.com/office/drawing/2014/main" id="{47F6BF88-442E-F78C-F175-93D33ED192FC}"/>
               </a:ext>
             </a:extLst>
           </p:cNvPr>
@@ -2427,7 +2427,7 @@
           <a:bodyPr/>
           <a:lstStyle/>
           <a:p>
-            <a:fld id="{2F4A8D86-7070-4211-AC12-8097F3961BEC}" type="slidenum">
+            <a:fld id="{5D29D5EC-66C8-4115-945F-72C18870659E}" type="slidenum">
               <a:rPr lang="zh-CN" altLang="en-US" smtClean="0"/>
               <a:t>‹#›</a:t>
             </a:fld>
@@ -2438,7 +2438,7 @@
     </p:spTree>
     <p:extLst>
       <p:ext uri="{BB962C8B-B14F-4D97-AF65-F5344CB8AC3E}">
-        <p14:creationId xmlns:p14="http://schemas.microsoft.com/office/powerpoint/2010/main" val="1164401146"/>
+        <p14:creationId xmlns:p14="http://schemas.microsoft.com/office/powerpoint/2010/main" val="606843607"/>
       </p:ext>
     </p:extLst>
   </p:cSld>
@@ -2470,7 +2470,7 @@
           <p:cNvPr id="2" name="标题 1">
             <a:extLst>
               <a:ext uri="{FF2B5EF4-FFF2-40B4-BE49-F238E27FC236}">
-                <a16:creationId xmlns:a16="http://schemas.microsoft.com/office/drawing/2014/main" id="{F734524F-715D-CBBE-ABF1-BF94B944A552}"/>
+                <a16:creationId xmlns:a16="http://schemas.microsoft.com/office/drawing/2014/main" id="{AEA84F65-3F96-7685-F8D8-8A7604D2740B}"/>
               </a:ext>
             </a:extLst>
           </p:cNvPr>
@@ -2507,7 +2507,7 @@
           <p:cNvPr id="3" name="图片占位符 2">
             <a:extLst>
               <a:ext uri="{FF2B5EF4-FFF2-40B4-BE49-F238E27FC236}">
-                <a16:creationId xmlns:a16="http://schemas.microsoft.com/office/drawing/2014/main" id="{87DA5FB4-0795-7C41-341D-6508C41211D3}"/>
+                <a16:creationId xmlns:a16="http://schemas.microsoft.com/office/drawing/2014/main" id="{868838F9-3AC4-BF1B-93E3-B54BCB2BE109}"/>
               </a:ext>
             </a:extLst>
           </p:cNvPr>
@@ -2574,7 +2574,7 @@
           <p:cNvPr id="4" name="文本占位符 3">
             <a:extLst>
               <a:ext uri="{FF2B5EF4-FFF2-40B4-BE49-F238E27FC236}">
-                <a16:creationId xmlns:a16="http://schemas.microsoft.com/office/drawing/2014/main" id="{9BB17A8E-8F34-E6EA-EB62-CCBC2DE298A5}"/>
+                <a16:creationId xmlns:a16="http://schemas.microsoft.com/office/drawing/2014/main" id="{7D3F154F-AA9F-2343-1686-9581DBED2B30}"/>
               </a:ext>
             </a:extLst>
           </p:cNvPr>
@@ -2645,7 +2645,7 @@
           <p:cNvPr id="5" name="日期占位符 4">
             <a:extLst>
               <a:ext uri="{FF2B5EF4-FFF2-40B4-BE49-F238E27FC236}">
-                <a16:creationId xmlns:a16="http://schemas.microsoft.com/office/drawing/2014/main" id="{05EBCAFD-E8AC-012A-6B4F-6D8C38FE0DC0}"/>
+                <a16:creationId xmlns:a16="http://schemas.microsoft.com/office/drawing/2014/main" id="{1CCFF30C-F0AB-B7B9-88CF-0D4B8BACC53B}"/>
               </a:ext>
             </a:extLst>
           </p:cNvPr>
@@ -2661,7 +2661,7 @@
           <a:bodyPr/>
           <a:lstStyle/>
           <a:p>
-            <a:fld id="{8306E8BF-5B67-4FA5-A6F3-ED2635456607}" type="datetimeFigureOut">
+            <a:fld id="{451005D2-AE53-4CF9-8E86-B28AE1068730}" type="datetimeFigureOut">
               <a:rPr lang="zh-CN" altLang="en-US" smtClean="0"/>
               <a:t>2024/3/10</a:t>
             </a:fld>
@@ -2674,7 +2674,7 @@
           <p:cNvPr id="6" name="页脚占位符 5">
             <a:extLst>
               <a:ext uri="{FF2B5EF4-FFF2-40B4-BE49-F238E27FC236}">
-                <a16:creationId xmlns:a16="http://schemas.microsoft.com/office/drawing/2014/main" id="{F2D13C20-41B3-4CF3-06F6-BD32EC088A30}"/>
+                <a16:creationId xmlns:a16="http://schemas.microsoft.com/office/drawing/2014/main" id="{729AD34F-D7F0-6282-EC13-55F4CDAC96CE}"/>
               </a:ext>
             </a:extLst>
           </p:cNvPr>
@@ -2699,7 +2699,7 @@
           <p:cNvPr id="7" name="灯片编号占位符 6">
             <a:extLst>
               <a:ext uri="{FF2B5EF4-FFF2-40B4-BE49-F238E27FC236}">
-                <a16:creationId xmlns:a16="http://schemas.microsoft.com/office/drawing/2014/main" id="{8181A122-4D88-4D5D-4A91-C23B7E477266}"/>
+                <a16:creationId xmlns:a16="http://schemas.microsoft.com/office/drawing/2014/main" id="{F23584BF-88A2-8971-DE1C-DD4E56A00A8B}"/>
               </a:ext>
             </a:extLst>
           </p:cNvPr>
@@ -2715,7 +2715,7 @@
           <a:bodyPr/>
           <a:lstStyle/>
           <a:p>
-            <a:fld id="{2F4A8D86-7070-4211-AC12-8097F3961BEC}" type="slidenum">
+            <a:fld id="{5D29D5EC-66C8-4115-945F-72C18870659E}" type="slidenum">
               <a:rPr lang="zh-CN" altLang="en-US" smtClean="0"/>
               <a:t>‹#›</a:t>
             </a:fld>
@@ -2726,7 +2726,7 @@
     </p:spTree>
     <p:extLst>
       <p:ext uri="{BB962C8B-B14F-4D97-AF65-F5344CB8AC3E}">
-        <p14:creationId xmlns:p14="http://schemas.microsoft.com/office/powerpoint/2010/main" val="65446682"/>
+        <p14:creationId xmlns:p14="http://schemas.microsoft.com/office/powerpoint/2010/main" val="1596029974"/>
       </p:ext>
     </p:extLst>
   </p:cSld>
@@ -2763,7 +2763,7 @@
           <p:cNvPr id="2" name="标题占位符 1">
             <a:extLst>
               <a:ext uri="{FF2B5EF4-FFF2-40B4-BE49-F238E27FC236}">
-                <a16:creationId xmlns:a16="http://schemas.microsoft.com/office/drawing/2014/main" id="{0DA64435-3AF3-C6E0-84DB-52D45DF5FE3E}"/>
+                <a16:creationId xmlns:a16="http://schemas.microsoft.com/office/drawing/2014/main" id="{6DBA52CE-B5B8-1A3F-785B-224369F69E40}"/>
               </a:ext>
             </a:extLst>
           </p:cNvPr>
@@ -2801,7 +2801,7 @@
           <p:cNvPr id="3" name="文本占位符 2">
             <a:extLst>
               <a:ext uri="{FF2B5EF4-FFF2-40B4-BE49-F238E27FC236}">
-                <a16:creationId xmlns:a16="http://schemas.microsoft.com/office/drawing/2014/main" id="{CC31D305-6DED-5FC9-BFD5-8EE9B4F29D3D}"/>
+                <a16:creationId xmlns:a16="http://schemas.microsoft.com/office/drawing/2014/main" id="{CFC73AC4-90DF-9B18-C24F-0C62B8F0E177}"/>
               </a:ext>
             </a:extLst>
           </p:cNvPr>
@@ -2868,7 +2868,7 @@
           <p:cNvPr id="4" name="日期占位符 3">
             <a:extLst>
               <a:ext uri="{FF2B5EF4-FFF2-40B4-BE49-F238E27FC236}">
-                <a16:creationId xmlns:a16="http://schemas.microsoft.com/office/drawing/2014/main" id="{8043BC7A-0080-382B-93BA-3398DA0671E9}"/>
+                <a16:creationId xmlns:a16="http://schemas.microsoft.com/office/drawing/2014/main" id="{727779D4-45C5-B9E5-265A-A201D6EB0E8C}"/>
               </a:ext>
             </a:extLst>
           </p:cNvPr>
@@ -2902,7 +2902,7 @@
             </a:lvl1pPr>
           </a:lstStyle>
           <a:p>
-            <a:fld id="{8306E8BF-5B67-4FA5-A6F3-ED2635456607}" type="datetimeFigureOut">
+            <a:fld id="{451005D2-AE53-4CF9-8E86-B28AE1068730}" type="datetimeFigureOut">
               <a:rPr lang="zh-CN" altLang="en-US" smtClean="0"/>
               <a:t>2024/3/10</a:t>
             </a:fld>
@@ -2915,7 +2915,7 @@
           <p:cNvPr id="5" name="页脚占位符 4">
             <a:extLst>
               <a:ext uri="{FF2B5EF4-FFF2-40B4-BE49-F238E27FC236}">
-                <a16:creationId xmlns:a16="http://schemas.microsoft.com/office/drawing/2014/main" id="{4E1E0D46-9F32-D659-8F48-23D0E86EDF5E}"/>
+                <a16:creationId xmlns:a16="http://schemas.microsoft.com/office/drawing/2014/main" id="{3C2930D1-DE92-CC6A-7A67-5B18CD00B73B}"/>
               </a:ext>
             </a:extLst>
           </p:cNvPr>
@@ -2958,7 +2958,7 @@
           <p:cNvPr id="6" name="灯片编号占位符 5">
             <a:extLst>
               <a:ext uri="{FF2B5EF4-FFF2-40B4-BE49-F238E27FC236}">
-                <a16:creationId xmlns:a16="http://schemas.microsoft.com/office/drawing/2014/main" id="{9CCA076C-C24C-89C3-D85A-E2E5C49A7F8C}"/>
+                <a16:creationId xmlns:a16="http://schemas.microsoft.com/office/drawing/2014/main" id="{8A0AD68C-1A22-7E78-E99C-0DDC325D3C37}"/>
               </a:ext>
             </a:extLst>
           </p:cNvPr>
@@ -2992,7 +2992,7 @@
             </a:lvl1pPr>
           </a:lstStyle>
           <a:p>
-            <a:fld id="{2F4A8D86-7070-4211-AC12-8097F3961BEC}" type="slidenum">
+            <a:fld id="{5D29D5EC-66C8-4115-945F-72C18870659E}" type="slidenum">
               <a:rPr lang="zh-CN" altLang="en-US" smtClean="0"/>
               <a:t>‹#›</a:t>
             </a:fld>
@@ -3003,7 +3003,7 @@
     </p:spTree>
     <p:extLst>
       <p:ext uri="{BB962C8B-B14F-4D97-AF65-F5344CB8AC3E}">
-        <p14:creationId xmlns:p14="http://schemas.microsoft.com/office/powerpoint/2010/main" val="77759451"/>
+        <p14:creationId xmlns:p14="http://schemas.microsoft.com/office/powerpoint/2010/main" val="3159933728"/>
       </p:ext>
     </p:extLst>
   </p:cSld>
@@ -3323,7 +3323,7 @@
       </p:grpSpPr>
       <p:pic>
         <p:nvPicPr>
-          <p:cNvPr id="294914" name="Picture 2" descr="287"/>
+          <p:cNvPr id="295938" name="Picture 2" descr="288"/>
           <p:cNvPicPr>
             <a:picLocks noChangeAspect="1" noChangeArrowheads="1"/>
           </p:cNvPicPr>
@@ -3345,7 +3345,7 @@
         <p:spPr bwMode="auto">
           <a:xfrm>
             <a:off x="1524000" y="0"/>
-            <a:ext cx="9144000" cy="6858000"/>
+            <a:ext cx="9144000" cy="6021388"/>
           </a:xfrm>
           <a:prstGeom prst="rect">
             <a:avLst/>
@@ -3375,11 +3375,158 @@
           </a:extLst>
         </p:spPr>
       </p:pic>
+      <p:pic>
+        <p:nvPicPr>
+          <p:cNvPr id="296963" name="Picture 3" descr="288-2"/>
+          <p:cNvPicPr>
+            <a:picLocks noChangeAspect="1" noChangeArrowheads="1"/>
+          </p:cNvPicPr>
+          <p:nvPr/>
+        </p:nvPicPr>
+        <p:blipFill>
+          <a:blip r:embed="rId3">
+            <a:extLst>
+              <a:ext uri="{28A0092B-C50C-407E-A947-70E740481C1C}">
+                <a14:useLocalDpi xmlns:a14="http://schemas.microsoft.com/office/drawing/2010/main" val="0"/>
+              </a:ext>
+            </a:extLst>
+          </a:blip>
+          <a:srcRect/>
+          <a:stretch>
+            <a:fillRect/>
+          </a:stretch>
+        </p:blipFill>
+        <p:spPr bwMode="auto">
+          <a:xfrm>
+            <a:off x="1524000" y="1"/>
+            <a:ext cx="9144000" cy="6238875"/>
+          </a:xfrm>
+          <a:prstGeom prst="rect">
+            <a:avLst/>
+          </a:prstGeom>
+          <a:noFill/>
+          <a:ln>
+            <a:noFill/>
+          </a:ln>
+          <a:effectLst/>
+          <a:extLst>
+            <a:ext uri="{909E8E84-426E-40DD-AFC4-6F175D3DCCD1}">
+              <a14:hiddenFill xmlns:a14="http://schemas.microsoft.com/office/drawing/2010/main">
+                <a:solidFill>
+                  <a:srgbClr val="FFFFFF"/>
+                </a:solidFill>
+              </a14:hiddenFill>
+            </a:ext>
+            <a:ext uri="{91240B29-F687-4F45-9708-019B960494DF}">
+              <a14:hiddenLine xmlns:a14="http://schemas.microsoft.com/office/drawing/2010/main" w="9525">
+                <a:solidFill>
+                  <a:srgbClr val="000000"/>
+                </a:solidFill>
+                <a:miter lim="800000"/>
+                <a:headEnd/>
+                <a:tailEnd/>
+              </a14:hiddenLine>
+            </a:ext>
+            <a:ext uri="{AF507438-7753-43E0-B8FC-AC1667EBCBE1}">
+              <a14:hiddenEffects xmlns:a14="http://schemas.microsoft.com/office/drawing/2010/main">
+                <a:effectLst>
+                  <a:outerShdw dist="35921" dir="2700000" algn="ctr" rotWithShape="0">
+                    <a:srgbClr val="808080"/>
+                  </a:outerShdw>
+                </a:effectLst>
+              </a14:hiddenEffects>
+            </a:ext>
+          </a:extLst>
+        </p:spPr>
+      </p:pic>
     </p:spTree>
   </p:cSld>
   <p:clrMapOvr>
     <a:masterClrMapping/>
   </p:clrMapOvr>
+  <p:timing>
+    <p:tnLst>
+      <p:par>
+        <p:cTn id="1" dur="indefinite" restart="never" nodeType="tmRoot">
+          <p:childTnLst>
+            <p:seq concurrent="1" nextAc="seek">
+              <p:cTn id="2" dur="indefinite" nodeType="mainSeq">
+                <p:childTnLst>
+                  <p:par>
+                    <p:cTn id="3" fill="hold" nodeType="clickPar">
+                      <p:stCondLst>
+                        <p:cond delay="indefinite"/>
+                      </p:stCondLst>
+                      <p:childTnLst>
+                        <p:par>
+                          <p:cTn id="4" fill="hold" nodeType="withGroup">
+                            <p:stCondLst>
+                              <p:cond delay="0"/>
+                            </p:stCondLst>
+                            <p:childTnLst>
+                              <p:par>
+                                <p:cTn id="5" presetID="10" presetClass="entr" presetSubtype="0" fill="hold" nodeType="clickEffect">
+                                  <p:stCondLst>
+                                    <p:cond delay="0"/>
+                                  </p:stCondLst>
+                                  <p:childTnLst>
+                                    <p:set>
+                                      <p:cBhvr>
+                                        <p:cTn id="6" dur="1" fill="hold">
+                                          <p:stCondLst>
+                                            <p:cond delay="0"/>
+                                          </p:stCondLst>
+                                        </p:cTn>
+                                        <p:tgtEl>
+                                          <p:spTgt spid="296963"/>
+                                        </p:tgtEl>
+                                        <p:attrNameLst>
+                                          <p:attrName>style.visibility</p:attrName>
+                                        </p:attrNameLst>
+                                      </p:cBhvr>
+                                      <p:to>
+                                        <p:strVal val="visible"/>
+                                      </p:to>
+                                    </p:set>
+                                    <p:animEffect transition="in" filter="fade">
+                                      <p:cBhvr>
+                                        <p:cTn id="7" dur="500"/>
+                                        <p:tgtEl>
+                                          <p:spTgt spid="296963"/>
+                                        </p:tgtEl>
+                                      </p:cBhvr>
+                                    </p:animEffect>
+                                  </p:childTnLst>
+                                </p:cTn>
+                              </p:par>
+                            </p:childTnLst>
+                          </p:cTn>
+                        </p:par>
+                      </p:childTnLst>
+                    </p:cTn>
+                  </p:par>
+                </p:childTnLst>
+              </p:cTn>
+              <p:prevCondLst>
+                <p:cond evt="onPrev" delay="0">
+                  <p:tgtEl>
+                    <p:sldTgt/>
+                  </p:tgtEl>
+                </p:cond>
+              </p:prevCondLst>
+              <p:nextCondLst>
+                <p:cond evt="onNext" delay="0">
+                  <p:tgtEl>
+                    <p:sldTgt/>
+                  </p:tgtEl>
+                </p:cond>
+              </p:nextCondLst>
+            </p:seq>
+          </p:childTnLst>
+        </p:cTn>
+      </p:par>
+    </p:tnLst>
+  </p:timing>
 </p:sld>
 </file>
 
